--- a/Figures/figure_03.pptx
+++ b/Figures/figure_03.pptx
@@ -115,13 +115,69 @@
 <file path=ppt/revisionInfo.xml><?xml version="1.0" encoding="utf-8"?>
 <p1510:revInfo xmlns:a="http://schemas.openxmlformats.org/drawingml/2006/main" xmlns:r="http://schemas.openxmlformats.org/officeDocument/2006/relationships" xmlns:p1510="http://schemas.microsoft.com/office/powerpoint/2015/10/main">
   <p1510:revLst>
-    <p1510:client id="{054642A3-1F0D-4A2B-A624-50C5289E381E}" v="8" dt="2025-05-14T16:50:33.645"/>
+    <p1510:client id="{3E41471C-D4AE-4970-B937-938CFA670B77}" v="2" dt="2025-07-01T18:33:09.891"/>
   </p1510:revLst>
 </p1510:revInfo>
 </file>
 
 <file path=ppt/changesInfos/changesInfo1.xml><?xml version="1.0" encoding="utf-8"?>
 <pc:chgInfo xmlns:a="http://schemas.openxmlformats.org/drawingml/2006/main" xmlns:r="http://schemas.openxmlformats.org/officeDocument/2006/relationships" xmlns:ac="http://schemas.microsoft.com/office/drawing/2013/main/command" xmlns:pc="http://schemas.microsoft.com/office/powerpoint/2013/main/command">
+  <pc:docChgLst>
+    <pc:chgData name="Gilbert, Neil" userId="37be9f5c-8f28-415b-96d6-624acf93bb3f" providerId="ADAL" clId="{3E41471C-D4AE-4970-B937-938CFA670B77}"/>
+    <pc:docChg chg="undo custSel modSld">
+      <pc:chgData name="Gilbert, Neil" userId="37be9f5c-8f28-415b-96d6-624acf93bb3f" providerId="ADAL" clId="{3E41471C-D4AE-4970-B937-938CFA670B77}" dt="2025-07-01T18:34:35.882" v="55" actId="2085"/>
+      <pc:docMkLst>
+        <pc:docMk/>
+      </pc:docMkLst>
+      <pc:sldChg chg="addSp delSp modSp mod">
+        <pc:chgData name="Gilbert, Neil" userId="37be9f5c-8f28-415b-96d6-624acf93bb3f" providerId="ADAL" clId="{3E41471C-D4AE-4970-B937-938CFA670B77}" dt="2025-07-01T18:34:35.882" v="55" actId="2085"/>
+        <pc:sldMkLst>
+          <pc:docMk/>
+          <pc:sldMk cId="755672297" sldId="256"/>
+        </pc:sldMkLst>
+        <pc:spChg chg="add mod">
+          <ac:chgData name="Gilbert, Neil" userId="37be9f5c-8f28-415b-96d6-624acf93bb3f" providerId="ADAL" clId="{3E41471C-D4AE-4970-B937-938CFA670B77}" dt="2025-07-01T18:34:35.882" v="55" actId="2085"/>
+          <ac:spMkLst>
+            <pc:docMk/>
+            <pc:sldMk cId="755672297" sldId="256"/>
+            <ac:spMk id="7" creationId="{4B50D599-479B-F819-01A8-8622EE24BB7A}"/>
+          </ac:spMkLst>
+        </pc:spChg>
+        <pc:picChg chg="add mod">
+          <ac:chgData name="Gilbert, Neil" userId="37be9f5c-8f28-415b-96d6-624acf93bb3f" providerId="ADAL" clId="{3E41471C-D4AE-4970-B937-938CFA670B77}" dt="2025-07-01T18:32:46.668" v="6" actId="1076"/>
+          <ac:picMkLst>
+            <pc:docMk/>
+            <pc:sldMk cId="755672297" sldId="256"/>
+            <ac:picMk id="4" creationId="{3B6EB3A4-C645-759C-AD3C-71E548808CA0}"/>
+          </ac:picMkLst>
+        </pc:picChg>
+        <pc:picChg chg="add mod">
+          <ac:chgData name="Gilbert, Neil" userId="37be9f5c-8f28-415b-96d6-624acf93bb3f" providerId="ADAL" clId="{3E41471C-D4AE-4970-B937-938CFA670B77}" dt="2025-07-01T18:33:15.215" v="11" actId="1076"/>
+          <ac:picMkLst>
+            <pc:docMk/>
+            <pc:sldMk cId="755672297" sldId="256"/>
+            <ac:picMk id="6" creationId="{1C8FFB07-4211-3E7E-D78D-9B9AC03C435D}"/>
+          </ac:picMkLst>
+        </pc:picChg>
+        <pc:picChg chg="del">
+          <ac:chgData name="Gilbert, Neil" userId="37be9f5c-8f28-415b-96d6-624acf93bb3f" providerId="ADAL" clId="{3E41471C-D4AE-4970-B937-938CFA670B77}" dt="2025-07-01T18:33:07.070" v="7" actId="478"/>
+          <ac:picMkLst>
+            <pc:docMk/>
+            <pc:sldMk cId="755672297" sldId="256"/>
+            <ac:picMk id="9" creationId="{6672AED3-44AD-5A81-08E3-2CA6686A87C2}"/>
+          </ac:picMkLst>
+        </pc:picChg>
+        <pc:picChg chg="add del">
+          <ac:chgData name="Gilbert, Neil" userId="37be9f5c-8f28-415b-96d6-624acf93bb3f" providerId="ADAL" clId="{3E41471C-D4AE-4970-B937-938CFA670B77}" dt="2025-07-01T18:32:39.788" v="2" actId="478"/>
+          <ac:picMkLst>
+            <pc:docMk/>
+            <pc:sldMk cId="755672297" sldId="256"/>
+            <ac:picMk id="12" creationId="{E4A29A12-E68E-9A0B-6154-2EF8FB126C93}"/>
+          </ac:picMkLst>
+        </pc:picChg>
+      </pc:sldChg>
+    </pc:docChg>
+  </pc:docChgLst>
   <pc:docChgLst>
     <pc:chgData name="Gilbert, Neil" userId="37be9f5c-8f28-415b-96d6-624acf93bb3f" providerId="ADAL" clId="{054642A3-1F0D-4A2B-A624-50C5289E381E}"/>
     <pc:docChg chg="undo custSel modSld">
@@ -327,68 +383,12 @@
             <ac:spMk id="56" creationId="{A97736DA-86DE-6C79-5DA3-926CA941B2F0}"/>
           </ac:spMkLst>
         </pc:spChg>
-        <pc:picChg chg="add del mod ord">
-          <ac:chgData name="Gilbert, Neil" userId="37be9f5c-8f28-415b-96d6-624acf93bb3f" providerId="ADAL" clId="{054642A3-1F0D-4A2B-A624-50C5289E381E}" dt="2025-05-14T16:49:53.832" v="90" actId="478"/>
-          <ac:picMkLst>
-            <pc:docMk/>
-            <pc:sldMk cId="755672297" sldId="256"/>
-            <ac:picMk id="4" creationId="{7317B62A-6759-4FB5-1CC2-C490DF6B2FCC}"/>
-          </ac:picMkLst>
-        </pc:picChg>
-        <pc:picChg chg="add mod">
-          <ac:chgData name="Gilbert, Neil" userId="37be9f5c-8f28-415b-96d6-624acf93bb3f" providerId="ADAL" clId="{054642A3-1F0D-4A2B-A624-50C5289E381E}" dt="2025-05-14T16:50:08.327" v="95"/>
-          <ac:picMkLst>
-            <pc:docMk/>
-            <pc:sldMk cId="755672297" sldId="256"/>
-            <ac:picMk id="6" creationId="{D65ED8AC-A43F-B94B-775E-481165588A1E}"/>
-          </ac:picMkLst>
-        </pc:picChg>
-        <pc:picChg chg="add del mod ord">
-          <ac:chgData name="Gilbert, Neil" userId="37be9f5c-8f28-415b-96d6-624acf93bb3f" providerId="ADAL" clId="{054642A3-1F0D-4A2B-A624-50C5289E381E}" dt="2025-05-13T16:33:25.082" v="46" actId="478"/>
-          <ac:picMkLst>
-            <pc:docMk/>
-            <pc:sldMk cId="755672297" sldId="256"/>
-            <ac:picMk id="6" creationId="{F027647F-B9F3-5DDA-6AE7-6FA3C43D51C2}"/>
-          </ac:picMkLst>
-        </pc:picChg>
-        <pc:picChg chg="add del mod ord">
-          <ac:chgData name="Gilbert, Neil" userId="37be9f5c-8f28-415b-96d6-624acf93bb3f" providerId="ADAL" clId="{054642A3-1F0D-4A2B-A624-50C5289E381E}" dt="2025-05-14T16:47:01.656" v="59" actId="478"/>
-          <ac:picMkLst>
-            <pc:docMk/>
-            <pc:sldMk cId="755672297" sldId="256"/>
-            <ac:picMk id="8" creationId="{EF6FD8F2-32F1-2D6E-5AC7-6879352349AE}"/>
-          </ac:picMkLst>
-        </pc:picChg>
         <pc:picChg chg="add mod">
           <ac:chgData name="Gilbert, Neil" userId="37be9f5c-8f28-415b-96d6-624acf93bb3f" providerId="ADAL" clId="{054642A3-1F0D-4A2B-A624-50C5289E381E}" dt="2025-05-14T16:50:40.511" v="99" actId="1076"/>
           <ac:picMkLst>
             <pc:docMk/>
             <pc:sldMk cId="755672297" sldId="256"/>
             <ac:picMk id="9" creationId="{6672AED3-44AD-5A81-08E3-2CA6686A87C2}"/>
-          </ac:picMkLst>
-        </pc:picChg>
-        <pc:picChg chg="add mod ord">
-          <ac:chgData name="Gilbert, Neil" userId="37be9f5c-8f28-415b-96d6-624acf93bb3f" providerId="ADAL" clId="{054642A3-1F0D-4A2B-A624-50C5289E381E}" dt="2025-05-13T17:49:01.611" v="56" actId="167"/>
-          <ac:picMkLst>
-            <pc:docMk/>
-            <pc:sldMk cId="755672297" sldId="256"/>
-            <ac:picMk id="12" creationId="{E4A29A12-E68E-9A0B-6154-2EF8FB126C93}"/>
-          </ac:picMkLst>
-        </pc:picChg>
-        <pc:picChg chg="del">
-          <ac:chgData name="Gilbert, Neil" userId="37be9f5c-8f28-415b-96d6-624acf93bb3f" providerId="ADAL" clId="{054642A3-1F0D-4A2B-A624-50C5289E381E}" dt="2025-05-13T16:21:50.118" v="17" actId="478"/>
-          <ac:picMkLst>
-            <pc:docMk/>
-            <pc:sldMk cId="755672297" sldId="256"/>
-            <ac:picMk id="39" creationId="{8E9B985B-7317-63A6-0C41-4B8858E7955A}"/>
-          </ac:picMkLst>
-        </pc:picChg>
-        <pc:picChg chg="del ord">
-          <ac:chgData name="Gilbert, Neil" userId="37be9f5c-8f28-415b-96d6-624acf93bb3f" providerId="ADAL" clId="{054642A3-1F0D-4A2B-A624-50C5289E381E}" dt="2025-05-13T16:20:46.405" v="8" actId="478"/>
-          <ac:picMkLst>
-            <pc:docMk/>
-            <pc:sldMk cId="755672297" sldId="256"/>
-            <ac:picMk id="49" creationId="{FE5E8A7A-8B9D-F1EF-0C2F-608A73A3090A}"/>
           </ac:picMkLst>
         </pc:picChg>
         <pc:cxnChg chg="add mod">
@@ -544,7 +544,7 @@
           <a:p>
             <a:fld id="{59AD73E6-7E75-4E39-938D-6446E26014F1}" type="datetimeFigureOut">
               <a:rPr lang="en-US" smtClean="0"/>
-              <a:t>5/14/2025</a:t>
+              <a:t>7/1/2025</a:t>
             </a:fld>
             <a:endParaRPr lang="en-US"/>
           </a:p>
@@ -714,7 +714,7 @@
           <a:p>
             <a:fld id="{59AD73E6-7E75-4E39-938D-6446E26014F1}" type="datetimeFigureOut">
               <a:rPr lang="en-US" smtClean="0"/>
-              <a:t>5/14/2025</a:t>
+              <a:t>7/1/2025</a:t>
             </a:fld>
             <a:endParaRPr lang="en-US"/>
           </a:p>
@@ -894,7 +894,7 @@
           <a:p>
             <a:fld id="{59AD73E6-7E75-4E39-938D-6446E26014F1}" type="datetimeFigureOut">
               <a:rPr lang="en-US" smtClean="0"/>
-              <a:t>5/14/2025</a:t>
+              <a:t>7/1/2025</a:t>
             </a:fld>
             <a:endParaRPr lang="en-US"/>
           </a:p>
@@ -1064,7 +1064,7 @@
           <a:p>
             <a:fld id="{59AD73E6-7E75-4E39-938D-6446E26014F1}" type="datetimeFigureOut">
               <a:rPr lang="en-US" smtClean="0"/>
-              <a:t>5/14/2025</a:t>
+              <a:t>7/1/2025</a:t>
             </a:fld>
             <a:endParaRPr lang="en-US"/>
           </a:p>
@@ -1310,7 +1310,7 @@
           <a:p>
             <a:fld id="{59AD73E6-7E75-4E39-938D-6446E26014F1}" type="datetimeFigureOut">
               <a:rPr lang="en-US" smtClean="0"/>
-              <a:t>5/14/2025</a:t>
+              <a:t>7/1/2025</a:t>
             </a:fld>
             <a:endParaRPr lang="en-US"/>
           </a:p>
@@ -1542,7 +1542,7 @@
           <a:p>
             <a:fld id="{59AD73E6-7E75-4E39-938D-6446E26014F1}" type="datetimeFigureOut">
               <a:rPr lang="en-US" smtClean="0"/>
-              <a:t>5/14/2025</a:t>
+              <a:t>7/1/2025</a:t>
             </a:fld>
             <a:endParaRPr lang="en-US"/>
           </a:p>
@@ -1909,7 +1909,7 @@
           <a:p>
             <a:fld id="{59AD73E6-7E75-4E39-938D-6446E26014F1}" type="datetimeFigureOut">
               <a:rPr lang="en-US" smtClean="0"/>
-              <a:t>5/14/2025</a:t>
+              <a:t>7/1/2025</a:t>
             </a:fld>
             <a:endParaRPr lang="en-US"/>
           </a:p>
@@ -2027,7 +2027,7 @@
           <a:p>
             <a:fld id="{59AD73E6-7E75-4E39-938D-6446E26014F1}" type="datetimeFigureOut">
               <a:rPr lang="en-US" smtClean="0"/>
-              <a:t>5/14/2025</a:t>
+              <a:t>7/1/2025</a:t>
             </a:fld>
             <a:endParaRPr lang="en-US"/>
           </a:p>
@@ -2122,7 +2122,7 @@
           <a:p>
             <a:fld id="{59AD73E6-7E75-4E39-938D-6446E26014F1}" type="datetimeFigureOut">
               <a:rPr lang="en-US" smtClean="0"/>
-              <a:t>5/14/2025</a:t>
+              <a:t>7/1/2025</a:t>
             </a:fld>
             <a:endParaRPr lang="en-US"/>
           </a:p>
@@ -2399,7 +2399,7 @@
           <a:p>
             <a:fld id="{59AD73E6-7E75-4E39-938D-6446E26014F1}" type="datetimeFigureOut">
               <a:rPr lang="en-US" smtClean="0"/>
-              <a:t>5/14/2025</a:t>
+              <a:t>7/1/2025</a:t>
             </a:fld>
             <a:endParaRPr lang="en-US"/>
           </a:p>
@@ -2656,7 +2656,7 @@
           <a:p>
             <a:fld id="{59AD73E6-7E75-4E39-938D-6446E26014F1}" type="datetimeFigureOut">
               <a:rPr lang="en-US" smtClean="0"/>
-              <a:t>5/14/2025</a:t>
+              <a:t>7/1/2025</a:t>
             </a:fld>
             <a:endParaRPr lang="en-US"/>
           </a:p>
@@ -2869,7 +2869,7 @@
           <a:p>
             <a:fld id="{59AD73E6-7E75-4E39-938D-6446E26014F1}" type="datetimeFigureOut">
               <a:rPr lang="en-US" smtClean="0"/>
-              <a:t>5/14/2025</a:t>
+              <a:t>7/1/2025</a:t>
             </a:fld>
             <a:endParaRPr lang="en-US"/>
           </a:p>
@@ -3934,42 +3934,6 @@
           </a:p>
         </p:txBody>
       </p:sp>
-      <p:pic>
-        <p:nvPicPr>
-          <p:cNvPr id="12" name="Picture 11" descr="A screen shot of a book&#10;&#10;AI-generated content may be incorrect.">
-            <a:extLst>
-              <a:ext uri="{FF2B5EF4-FFF2-40B4-BE49-F238E27FC236}">
-                <a16:creationId xmlns:a16="http://schemas.microsoft.com/office/drawing/2014/main" id="{E4A29A12-E68E-9A0B-6154-2EF8FB126C93}"/>
-              </a:ext>
-            </a:extLst>
-          </p:cNvPr>
-          <p:cNvPicPr>
-            <a:picLocks noChangeAspect="1"/>
-          </p:cNvPicPr>
-          <p:nvPr/>
-        </p:nvPicPr>
-        <p:blipFill>
-          <a:blip r:embed="rId2">
-            <a:extLst>
-              <a:ext uri="{28A0092B-C50C-407E-A947-70E740481C1C}">
-                <a14:useLocalDpi xmlns:a14="http://schemas.microsoft.com/office/drawing/2010/main" val="0"/>
-              </a:ext>
-            </a:extLst>
-          </a:blip>
-          <a:stretch>
-            <a:fillRect/>
-          </a:stretch>
-        </p:blipFill>
-        <p:spPr>
-          <a:xfrm>
-            <a:off x="0" y="0"/>
-            <a:ext cx="2011680" cy="5486400"/>
-          </a:xfrm>
-          <a:prstGeom prst="rect">
-            <a:avLst/>
-          </a:prstGeom>
-        </p:spPr>
-      </p:pic>
       <p:sp>
         <p:nvSpPr>
           <p:cNvPr id="25" name="Rectangle 24">
@@ -5358,10 +5322,46 @@
       </p:cxnSp>
       <p:pic>
         <p:nvPicPr>
-          <p:cNvPr id="9" name="Picture 8" descr="A screenshot of a video game&#10;&#10;AI-generated content may be incorrect.">
+          <p:cNvPr id="4" name="Picture 3" descr="A blue and black background&#10;&#10;AI-generated content may be incorrect.">
             <a:extLst>
               <a:ext uri="{FF2B5EF4-FFF2-40B4-BE49-F238E27FC236}">
-                <a16:creationId xmlns:a16="http://schemas.microsoft.com/office/drawing/2014/main" id="{6672AED3-44AD-5A81-08E3-2CA6686A87C2}"/>
+                <a16:creationId xmlns:a16="http://schemas.microsoft.com/office/drawing/2014/main" id="{3B6EB3A4-C645-759C-AD3C-71E548808CA0}"/>
+              </a:ext>
+            </a:extLst>
+          </p:cNvPr>
+          <p:cNvPicPr>
+            <a:picLocks noChangeAspect="1"/>
+          </p:cNvPicPr>
+          <p:nvPr/>
+        </p:nvPicPr>
+        <p:blipFill>
+          <a:blip r:embed="rId2">
+            <a:extLst>
+              <a:ext uri="{28A0092B-C50C-407E-A947-70E740481C1C}">
+                <a14:useLocalDpi xmlns:a14="http://schemas.microsoft.com/office/drawing/2010/main" val="0"/>
+              </a:ext>
+            </a:extLst>
+          </a:blip>
+          <a:stretch>
+            <a:fillRect/>
+          </a:stretch>
+        </p:blipFill>
+        <p:spPr>
+          <a:xfrm>
+            <a:off x="0" y="0"/>
+            <a:ext cx="2011680" cy="5486400"/>
+          </a:xfrm>
+          <a:prstGeom prst="rect">
+            <a:avLst/>
+          </a:prstGeom>
+        </p:spPr>
+      </p:pic>
+      <p:pic>
+        <p:nvPicPr>
+          <p:cNvPr id="6" name="Picture 5" descr="A screenshot of a video game&#10;&#10;AI-generated content may be incorrect.">
+            <a:extLst>
+              <a:ext uri="{FF2B5EF4-FFF2-40B4-BE49-F238E27FC236}">
+                <a16:creationId xmlns:a16="http://schemas.microsoft.com/office/drawing/2014/main" id="{1C8FFB07-4211-3E7E-D78D-9B9AC03C435D}"/>
               </a:ext>
             </a:extLst>
           </p:cNvPr>
@@ -5392,6 +5392,67 @@
           </a:prstGeom>
         </p:spPr>
       </p:pic>
+      <p:sp>
+        <p:nvSpPr>
+          <p:cNvPr id="7" name="Rectangle 6">
+            <a:extLst>
+              <a:ext uri="{FF2B5EF4-FFF2-40B4-BE49-F238E27FC236}">
+                <a16:creationId xmlns:a16="http://schemas.microsoft.com/office/drawing/2014/main" id="{4B50D599-479B-F819-01A8-8622EE24BB7A}"/>
+              </a:ext>
+            </a:extLst>
+          </p:cNvPr>
+          <p:cNvSpPr/>
+          <p:nvPr/>
+        </p:nvSpPr>
+        <p:spPr>
+          <a:xfrm>
+            <a:off x="3917677" y="4144733"/>
+            <a:ext cx="1059854" cy="258583"/>
+          </a:xfrm>
+          <a:prstGeom prst="rect">
+            <a:avLst/>
+          </a:prstGeom>
+          <a:solidFill>
+            <a:schemeClr val="bg1"/>
+          </a:solidFill>
+          <a:ln>
+            <a:noFill/>
+          </a:ln>
+        </p:spPr>
+        <p:style>
+          <a:lnRef idx="2">
+            <a:schemeClr val="accent1">
+              <a:shade val="15000"/>
+            </a:schemeClr>
+          </a:lnRef>
+          <a:fillRef idx="1">
+            <a:schemeClr val="accent1"/>
+          </a:fillRef>
+          <a:effectRef idx="0">
+            <a:schemeClr val="accent1"/>
+          </a:effectRef>
+          <a:fontRef idx="minor">
+            <a:schemeClr val="lt1"/>
+          </a:fontRef>
+        </p:style>
+        <p:txBody>
+          <a:bodyPr rtlCol="0" anchor="ctr"/>
+          <a:lstStyle/>
+          <a:p>
+            <a:pPr algn="ctr"/>
+            <a:r>
+              <a:rPr lang="en-US" sz="900" b="1" dirty="0">
+                <a:solidFill>
+                  <a:schemeClr val="tx1"/>
+                </a:solidFill>
+                <a:latin typeface="Arial" panose="020B0604020202020204" pitchFamily="34" charset="0"/>
+                <a:cs typeface="Arial" panose="020B0604020202020204" pitchFamily="34" charset="0"/>
+              </a:rPr>
+              <a:t>time of eclipse maximum</a:t>
+            </a:r>
+          </a:p>
+        </p:txBody>
+      </p:sp>
     </p:spTree>
     <p:extLst>
       <p:ext uri="{BB962C8B-B14F-4D97-AF65-F5344CB8AC3E}">
